--- a/lib/pptx/template.pptx
+++ b/lib/pptx/template.pptx
@@ -180,7 +180,7 @@
           <a:p>
             <a:fld id="{5BCAD085-E8A6-8845-BD4E-CB4CCA059FC4}" type="datetimeFigureOut">
               <a:rPr lang="en-US" smtClean="0"/>
-              <a:t>1/27/13</a:t>
+              <a:t>4/5/2023</a:t>
             </a:fld>
             <a:endParaRPr lang="en-US"/>
           </a:p>
@@ -222,7 +222,7 @@
           <a:p>
             <a:fld id="{C1FF6DA9-008F-8B48-92A6-B652298478BF}" type="slidenum">
               <a:rPr lang="en-US" smtClean="0"/>
-              <a:t>‹#›</a:t>
+              <a:t>‹nº›</a:t>
             </a:fld>
             <a:endParaRPr lang="en-US"/>
           </a:p>
@@ -350,7 +350,7 @@
           <a:p>
             <a:fld id="{5BCAD085-E8A6-8845-BD4E-CB4CCA059FC4}" type="datetimeFigureOut">
               <a:rPr lang="en-US" smtClean="0"/>
-              <a:t>1/27/13</a:t>
+              <a:t>4/5/2023</a:t>
             </a:fld>
             <a:endParaRPr lang="en-US"/>
           </a:p>
@@ -392,7 +392,7 @@
           <a:p>
             <a:fld id="{C1FF6DA9-008F-8B48-92A6-B652298478BF}" type="slidenum">
               <a:rPr lang="en-US" smtClean="0"/>
-              <a:t>‹#›</a:t>
+              <a:t>‹nº›</a:t>
             </a:fld>
             <a:endParaRPr lang="en-US"/>
           </a:p>
@@ -530,7 +530,7 @@
           <a:p>
             <a:fld id="{5BCAD085-E8A6-8845-BD4E-CB4CCA059FC4}" type="datetimeFigureOut">
               <a:rPr lang="en-US" smtClean="0"/>
-              <a:t>1/27/13</a:t>
+              <a:t>4/5/2023</a:t>
             </a:fld>
             <a:endParaRPr lang="en-US"/>
           </a:p>
@@ -572,7 +572,7 @@
           <a:p>
             <a:fld id="{C1FF6DA9-008F-8B48-92A6-B652298478BF}" type="slidenum">
               <a:rPr lang="en-US" smtClean="0"/>
-              <a:t>‹#›</a:t>
+              <a:t>‹nº›</a:t>
             </a:fld>
             <a:endParaRPr lang="en-US"/>
           </a:p>
@@ -700,7 +700,7 @@
           <a:p>
             <a:fld id="{5BCAD085-E8A6-8845-BD4E-CB4CCA059FC4}" type="datetimeFigureOut">
               <a:rPr lang="en-US" smtClean="0"/>
-              <a:t>1/27/13</a:t>
+              <a:t>4/5/2023</a:t>
             </a:fld>
             <a:endParaRPr lang="en-US"/>
           </a:p>
@@ -742,7 +742,7 @@
           <a:p>
             <a:fld id="{C1FF6DA9-008F-8B48-92A6-B652298478BF}" type="slidenum">
               <a:rPr lang="en-US" smtClean="0"/>
-              <a:t>‹#›</a:t>
+              <a:t>‹nº›</a:t>
             </a:fld>
             <a:endParaRPr lang="en-US"/>
           </a:p>
@@ -946,7 +946,7 @@
           <a:p>
             <a:fld id="{5BCAD085-E8A6-8845-BD4E-CB4CCA059FC4}" type="datetimeFigureOut">
               <a:rPr lang="en-US" smtClean="0"/>
-              <a:t>1/27/13</a:t>
+              <a:t>4/5/2023</a:t>
             </a:fld>
             <a:endParaRPr lang="en-US"/>
           </a:p>
@@ -988,7 +988,7 @@
           <a:p>
             <a:fld id="{C1FF6DA9-008F-8B48-92A6-B652298478BF}" type="slidenum">
               <a:rPr lang="en-US" smtClean="0"/>
-              <a:t>‹#›</a:t>
+              <a:t>‹nº›</a:t>
             </a:fld>
             <a:endParaRPr lang="en-US"/>
           </a:p>
@@ -1234,7 +1234,7 @@
           <a:p>
             <a:fld id="{5BCAD085-E8A6-8845-BD4E-CB4CCA059FC4}" type="datetimeFigureOut">
               <a:rPr lang="en-US" smtClean="0"/>
-              <a:t>1/27/13</a:t>
+              <a:t>4/5/2023</a:t>
             </a:fld>
             <a:endParaRPr lang="en-US"/>
           </a:p>
@@ -1276,7 +1276,7 @@
           <a:p>
             <a:fld id="{C1FF6DA9-008F-8B48-92A6-B652298478BF}" type="slidenum">
               <a:rPr lang="en-US" smtClean="0"/>
-              <a:t>‹#›</a:t>
+              <a:t>‹nº›</a:t>
             </a:fld>
             <a:endParaRPr lang="en-US"/>
           </a:p>
@@ -1656,7 +1656,7 @@
           <a:p>
             <a:fld id="{5BCAD085-E8A6-8845-BD4E-CB4CCA059FC4}" type="datetimeFigureOut">
               <a:rPr lang="en-US" smtClean="0"/>
-              <a:t>1/27/13</a:t>
+              <a:t>4/5/2023</a:t>
             </a:fld>
             <a:endParaRPr lang="en-US"/>
           </a:p>
@@ -1698,7 +1698,7 @@
           <a:p>
             <a:fld id="{C1FF6DA9-008F-8B48-92A6-B652298478BF}" type="slidenum">
               <a:rPr lang="en-US" smtClean="0"/>
-              <a:t>‹#›</a:t>
+              <a:t>‹nº›</a:t>
             </a:fld>
             <a:endParaRPr lang="en-US"/>
           </a:p>
@@ -1774,7 +1774,7 @@
           <a:p>
             <a:fld id="{5BCAD085-E8A6-8845-BD4E-CB4CCA059FC4}" type="datetimeFigureOut">
               <a:rPr lang="en-US" smtClean="0"/>
-              <a:t>1/27/13</a:t>
+              <a:t>4/5/2023</a:t>
             </a:fld>
             <a:endParaRPr lang="en-US"/>
           </a:p>
@@ -1816,7 +1816,7 @@
           <a:p>
             <a:fld id="{C1FF6DA9-008F-8B48-92A6-B652298478BF}" type="slidenum">
               <a:rPr lang="en-US" smtClean="0"/>
-              <a:t>‹#›</a:t>
+              <a:t>‹nº›</a:t>
             </a:fld>
             <a:endParaRPr lang="en-US"/>
           </a:p>
@@ -1869,7 +1869,7 @@
           <a:p>
             <a:fld id="{5BCAD085-E8A6-8845-BD4E-CB4CCA059FC4}" type="datetimeFigureOut">
               <a:rPr lang="en-US" smtClean="0"/>
-              <a:t>1/27/13</a:t>
+              <a:t>4/5/2023</a:t>
             </a:fld>
             <a:endParaRPr lang="en-US"/>
           </a:p>
@@ -1911,7 +1911,7 @@
           <a:p>
             <a:fld id="{C1FF6DA9-008F-8B48-92A6-B652298478BF}" type="slidenum">
               <a:rPr lang="en-US" smtClean="0"/>
-              <a:t>‹#›</a:t>
+              <a:t>‹nº›</a:t>
             </a:fld>
             <a:endParaRPr lang="en-US"/>
           </a:p>
@@ -2146,7 +2146,7 @@
           <a:p>
             <a:fld id="{5BCAD085-E8A6-8845-BD4E-CB4CCA059FC4}" type="datetimeFigureOut">
               <a:rPr lang="en-US" smtClean="0"/>
-              <a:t>1/27/13</a:t>
+              <a:t>4/5/2023</a:t>
             </a:fld>
             <a:endParaRPr lang="en-US"/>
           </a:p>
@@ -2188,7 +2188,7 @@
           <a:p>
             <a:fld id="{C1FF6DA9-008F-8B48-92A6-B652298478BF}" type="slidenum">
               <a:rPr lang="en-US" smtClean="0"/>
-              <a:t>‹#›</a:t>
+              <a:t>‹nº›</a:t>
             </a:fld>
             <a:endParaRPr lang="en-US"/>
           </a:p>
@@ -2399,7 +2399,7 @@
           <a:p>
             <a:fld id="{5BCAD085-E8A6-8845-BD4E-CB4CCA059FC4}" type="datetimeFigureOut">
               <a:rPr lang="en-US" smtClean="0"/>
-              <a:t>1/27/13</a:t>
+              <a:t>4/5/2023</a:t>
             </a:fld>
             <a:endParaRPr lang="en-US"/>
           </a:p>
@@ -2441,7 +2441,7 @@
           <a:p>
             <a:fld id="{C1FF6DA9-008F-8B48-92A6-B652298478BF}" type="slidenum">
               <a:rPr lang="en-US" smtClean="0"/>
-              <a:t>‹#›</a:t>
+              <a:t>‹nº›</a:t>
             </a:fld>
             <a:endParaRPr lang="en-US"/>
           </a:p>
@@ -2612,7 +2612,7 @@
           <a:p>
             <a:fld id="{5BCAD085-E8A6-8845-BD4E-CB4CCA059FC4}" type="datetimeFigureOut">
               <a:rPr lang="en-US" smtClean="0"/>
-              <a:t>1/27/13</a:t>
+              <a:t>4/5/2023</a:t>
             </a:fld>
             <a:endParaRPr lang="en-US"/>
           </a:p>
@@ -2690,7 +2690,7 @@
           <a:p>
             <a:fld id="{C1FF6DA9-008F-8B48-92A6-B652298478BF}" type="slidenum">
               <a:rPr lang="en-US" smtClean="0"/>
-              <a:t>‹#›</a:t>
+              <a:t>‹nº›</a:t>
             </a:fld>
             <a:endParaRPr lang="en-US"/>
           </a:p>

--- a/lib/pptx/template.pptx
+++ b/lib/pptx/template.pptx
@@ -2971,20 +2971,20 @@
 </file>
 
 <file path=ppt/theme/theme1.xml><?xml version="1.0" encoding="utf-8"?>
-<a:theme xmlns:a="http://schemas.openxmlformats.org/drawingml/2006/main" name="Office Theme">
+<a:theme xmlns:a="http://schemas.openxmlformats.org/drawingml/2006/main" xmlns:r="http://schemas.openxmlformats.org/officeDocument/2006/relationships" name="Office Theme">
   <a:themeElements>
-    <a:clrScheme name="Office">
+    <a:clrScheme name="Office Theme">
       <a:dk1>
-        <a:sysClr val="windowText" lastClr="000000"/>
+        <a:srgbClr val="000000"/>
       </a:dk1>
       <a:lt1>
-        <a:sysClr val="window" lastClr="FFFFFF"/>
+        <a:srgbClr val="FFFFFF"/>
       </a:lt1>
       <a:dk2>
-        <a:srgbClr val="1F497D"/>
+        <a:srgbClr val="A7A7A7"/>
       </a:dk2>
       <a:lt2>
-        <a:srgbClr val="EEECE1"/>
+        <a:srgbClr val="535353"/>
       </a:lt2>
       <a:accent1>
         <a:srgbClr val="4F81BD"/>
@@ -3005,85 +3005,25 @@
         <a:srgbClr val="F79646"/>
       </a:accent6>
       <a:hlink>
-        <a:srgbClr val="0000FF"/>
+        <a:srgbClr val="000000"/>
       </a:hlink>
       <a:folHlink>
-        <a:srgbClr val="800080"/>
+        <a:srgbClr val="000000"/>
       </a:folHlink>
     </a:clrScheme>
-    <a:fontScheme name="Office">
+    <a:fontScheme name="Office Theme">
       <a:majorFont>
-        <a:latin typeface="Calibri"/>
-        <a:ea typeface=""/>
-        <a:cs typeface=""/>
-        <a:font script="Jpan" typeface="ＭＳ Ｐゴシック"/>
-        <a:font script="Hang" typeface="맑은 고딕"/>
-        <a:font script="Hans" typeface="宋体"/>
-        <a:font script="Hant" typeface="新細明體"/>
-        <a:font script="Arab" typeface="Times New Roman"/>
-        <a:font script="Hebr" typeface="Times New Roman"/>
-        <a:font script="Thai" typeface="Angsana New"/>
-        <a:font script="Ethi" typeface="Nyala"/>
-        <a:font script="Beng" typeface="Vrinda"/>
-        <a:font script="Gujr" typeface="Shruti"/>
-        <a:font script="Khmr" typeface="MoolBoran"/>
-        <a:font script="Knda" typeface="Tunga"/>
-        <a:font script="Guru" typeface="Raavi"/>
-        <a:font script="Cans" typeface="Euphemia"/>
-        <a:font script="Cher" typeface="Plantagenet Cherokee"/>
-        <a:font script="Yiii" typeface="Microsoft Yi Baiti"/>
-        <a:font script="Tibt" typeface="Microsoft Himalaya"/>
-        <a:font script="Thaa" typeface="MV Boli"/>
-        <a:font script="Deva" typeface="Mangal"/>
-        <a:font script="Telu" typeface="Gautami"/>
-        <a:font script="Taml" typeface="Latha"/>
-        <a:font script="Syrc" typeface="Estrangelo Edessa"/>
-        <a:font script="Orya" typeface="Kalinga"/>
-        <a:font script="Mlym" typeface="Kartika"/>
-        <a:font script="Laoo" typeface="DokChampa"/>
-        <a:font script="Sinh" typeface="Iskoola Pota"/>
-        <a:font script="Mong" typeface="Mongolian Baiti"/>
-        <a:font script="Viet" typeface="Times New Roman"/>
-        <a:font script="Uigh" typeface="Microsoft Uighur"/>
-        <a:font script="Geor" typeface="Sylfaen"/>
+        <a:latin typeface="Helvetica"/>
+        <a:ea typeface="Helvetica"/>
+        <a:cs typeface="Helvetica"/>
       </a:majorFont>
       <a:minorFont>
         <a:latin typeface="Calibri"/>
-        <a:ea typeface=""/>
-        <a:cs typeface=""/>
-        <a:font script="Jpan" typeface="ＭＳ Ｐゴシック"/>
-        <a:font script="Hang" typeface="맑은 고딕"/>
-        <a:font script="Hans" typeface="宋体"/>
-        <a:font script="Hant" typeface="新細明體"/>
-        <a:font script="Arab" typeface="Arial"/>
-        <a:font script="Hebr" typeface="Arial"/>
-        <a:font script="Thai" typeface="Cordia New"/>
-        <a:font script="Ethi" typeface="Nyala"/>
-        <a:font script="Beng" typeface="Vrinda"/>
-        <a:font script="Gujr" typeface="Shruti"/>
-        <a:font script="Khmr" typeface="DaunPenh"/>
-        <a:font script="Knda" typeface="Tunga"/>
-        <a:font script="Guru" typeface="Raavi"/>
-        <a:font script="Cans" typeface="Euphemia"/>
-        <a:font script="Cher" typeface="Plantagenet Cherokee"/>
-        <a:font script="Yiii" typeface="Microsoft Yi Baiti"/>
-        <a:font script="Tibt" typeface="Microsoft Himalaya"/>
-        <a:font script="Thaa" typeface="MV Boli"/>
-        <a:font script="Deva" typeface="Mangal"/>
-        <a:font script="Telu" typeface="Gautami"/>
-        <a:font script="Taml" typeface="Latha"/>
-        <a:font script="Syrc" typeface="Estrangelo Edessa"/>
-        <a:font script="Orya" typeface="Kalinga"/>
-        <a:font script="Mlym" typeface="Kartika"/>
-        <a:font script="Laoo" typeface="DokChampa"/>
-        <a:font script="Sinh" typeface="Iskoola Pota"/>
-        <a:font script="Mong" typeface="Mongolian Baiti"/>
-        <a:font script="Viet" typeface="Arial"/>
-        <a:font script="Uigh" typeface="Microsoft Uighur"/>
-        <a:font script="Geor" typeface="Sylfaen"/>
+        <a:ea typeface="Calibri"/>
+        <a:cs typeface="Calibri"/>
       </a:minorFont>
     </a:fontScheme>
-    <a:fmtScheme name="Office">
+    <a:fmtScheme name="Office Theme">
       <a:fillStyleLst>
         <a:solidFill>
           <a:schemeClr val="phClr"/>
@@ -3117,7 +3057,7 @@
               <a:schemeClr val="phClr">
                 <a:tint val="100000"/>
                 <a:shade val="100000"/>
-                <a:satMod val="130000"/>
+                <a:satMod val="129999"/>
               </a:schemeClr>
             </a:gs>
             <a:gs pos="100000">
@@ -3136,7 +3076,7 @@
           <a:solidFill>
             <a:schemeClr val="phClr">
               <a:shade val="95000"/>
-              <a:satMod val="105000"/>
+              <a:satMod val="104999"/>
             </a:schemeClr>
           </a:solidFill>
           <a:prstDash val="solid"/>
@@ -3157,16 +3097,7 @@
       <a:effectStyleLst>
         <a:effectStyle>
           <a:effectLst>
-            <a:outerShdw blurRad="40000" dist="20000" dir="5400000" rotWithShape="0">
-              <a:srgbClr val="000000">
-                <a:alpha val="38000"/>
-              </a:srgbClr>
-            </a:outerShdw>
-          </a:effectLst>
-        </a:effectStyle>
-        <a:effectStyle>
-          <a:effectLst>
-            <a:outerShdw blurRad="40000" dist="23000" dir="5400000" rotWithShape="0">
+            <a:outerShdw sx="100000" sy="100000" kx="0" ky="0" algn="b" rotWithShape="0" blurRad="38100" dist="23000" dir="5400000">
               <a:srgbClr val="000000">
                 <a:alpha val="35000"/>
               </a:srgbClr>
@@ -3175,23 +3106,21 @@
         </a:effectStyle>
         <a:effectStyle>
           <a:effectLst>
-            <a:outerShdw blurRad="40000" dist="23000" dir="5400000" rotWithShape="0">
+            <a:outerShdw sx="100000" sy="100000" kx="0" ky="0" algn="b" rotWithShape="0" blurRad="38100" dist="23000" dir="5400000">
               <a:srgbClr val="000000">
                 <a:alpha val="35000"/>
               </a:srgbClr>
             </a:outerShdw>
           </a:effectLst>
-          <a:scene3d>
-            <a:camera prst="orthographicFront">
-              <a:rot lat="0" lon="0" rev="0"/>
-            </a:camera>
-            <a:lightRig rig="threePt" dir="t">
-              <a:rot lat="0" lon="0" rev="1200000"/>
-            </a:lightRig>
-          </a:scene3d>
-          <a:sp3d>
-            <a:bevelT w="63500" h="25400"/>
-          </a:sp3d>
+        </a:effectStyle>
+        <a:effectStyle>
+          <a:effectLst>
+            <a:outerShdw sx="100000" sy="100000" kx="0" ky="0" algn="b" rotWithShape="0" blurRad="38100" dist="20000" dir="5400000">
+              <a:srgbClr val="000000">
+                <a:alpha val="38000"/>
+              </a:srgbClr>
+            </a:outerShdw>
+          </a:effectLst>
         </a:effectStyle>
       </a:effectStyleLst>
       <a:bgFillStyleLst>
@@ -3248,44 +3177,879 @@
   </a:themeElements>
   <a:objectDefaults>
     <a:spDef>
-      <a:spPr/>
-      <a:bodyPr/>
-      <a:lstStyle/>
+      <a:spPr>
+        <a:solidFill>
+          <a:srgbClr val="FFFFFF"/>
+        </a:solidFill>
+        <a:ln w="25400" cap="flat">
+          <a:solidFill>
+            <a:schemeClr val="accent1"/>
+          </a:solidFill>
+          <a:prstDash val="solid"/>
+          <a:round/>
+        </a:ln>
+        <a:effectLst>
+          <a:outerShdw sx="100000" sy="100000" kx="0" ky="0" algn="b" rotWithShape="0" blurRad="38100" dist="23000" dir="5400000">
+            <a:srgbClr val="000000">
+              <a:alpha val="35000"/>
+            </a:srgbClr>
+          </a:outerShdw>
+        </a:effectLst>
+        <a:sp3d/>
+      </a:spPr>
+      <a:bodyPr rot="0" spcFirstLastPara="1" vertOverflow="overflow" horzOverflow="overflow" vert="horz" wrap="square" lIns="45719" tIns="45719" rIns="45719" bIns="45719" numCol="1" spcCol="38100" rtlCol="0" anchor="ctr" upright="0">
+        <a:spAutoFit/>
+      </a:bodyPr>
+      <a:lstStyle>
+        <a:defPPr marL="0" marR="0" indent="0" algn="l" defTabSz="457200" rtl="0" fontAlgn="auto" latinLnBrk="0" hangingPunct="0">
+          <a:lnSpc>
+            <a:spcPct val="100000"/>
+          </a:lnSpc>
+          <a:spcBef>
+            <a:spcPts val="0"/>
+          </a:spcBef>
+          <a:spcAft>
+            <a:spcPts val="0"/>
+          </a:spcAft>
+          <a:buClrTx/>
+          <a:buSzTx/>
+          <a:buFontTx/>
+          <a:buNone/>
+          <a:tabLst/>
+          <a:defRPr b="0" baseline="0" cap="none" i="0" spc="0" strike="noStrike" sz="1800" u="none" kumimoji="0" normalizeH="0">
+            <a:ln>
+              <a:noFill/>
+            </a:ln>
+            <a:solidFill>
+              <a:srgbClr val="000000"/>
+            </a:solidFill>
+            <a:effectLst/>
+            <a:uFillTx/>
+            <a:latin typeface="+mn-lt"/>
+            <a:ea typeface="+mn-ea"/>
+            <a:cs typeface="+mn-cs"/>
+            <a:sym typeface="Calibri"/>
+          </a:defRPr>
+        </a:defPPr>
+        <a:lvl1pPr marL="0" marR="0" indent="0" algn="l" defTabSz="914400" rtl="0" fontAlgn="auto" latinLnBrk="1" hangingPunct="0">
+          <a:lnSpc>
+            <a:spcPct val="100000"/>
+          </a:lnSpc>
+          <a:spcBef>
+            <a:spcPts val="0"/>
+          </a:spcBef>
+          <a:spcAft>
+            <a:spcPts val="0"/>
+          </a:spcAft>
+          <a:buClrTx/>
+          <a:buSzTx/>
+          <a:buFontTx/>
+          <a:buNone/>
+          <a:tabLst/>
+          <a:defRPr b="0" baseline="0" cap="none" i="0" spc="0" strike="noStrike" sz="1800" u="none" kumimoji="0" normalizeH="0">
+            <a:ln>
+              <a:noFill/>
+            </a:ln>
+            <a:solidFill>
+              <a:srgbClr val="000000"/>
+            </a:solidFill>
+            <a:effectLst/>
+            <a:uFillTx/>
+          </a:defRPr>
+        </a:lvl1pPr>
+        <a:lvl2pPr marL="0" marR="0" indent="0" algn="l" defTabSz="914400" rtl="0" fontAlgn="auto" latinLnBrk="1" hangingPunct="0">
+          <a:lnSpc>
+            <a:spcPct val="100000"/>
+          </a:lnSpc>
+          <a:spcBef>
+            <a:spcPts val="0"/>
+          </a:spcBef>
+          <a:spcAft>
+            <a:spcPts val="0"/>
+          </a:spcAft>
+          <a:buClrTx/>
+          <a:buSzTx/>
+          <a:buFontTx/>
+          <a:buNone/>
+          <a:tabLst/>
+          <a:defRPr b="0" baseline="0" cap="none" i="0" spc="0" strike="noStrike" sz="1800" u="none" kumimoji="0" normalizeH="0">
+            <a:ln>
+              <a:noFill/>
+            </a:ln>
+            <a:solidFill>
+              <a:srgbClr val="000000"/>
+            </a:solidFill>
+            <a:effectLst/>
+            <a:uFillTx/>
+          </a:defRPr>
+        </a:lvl2pPr>
+        <a:lvl3pPr marL="0" marR="0" indent="0" algn="l" defTabSz="914400" rtl="0" fontAlgn="auto" latinLnBrk="1" hangingPunct="0">
+          <a:lnSpc>
+            <a:spcPct val="100000"/>
+          </a:lnSpc>
+          <a:spcBef>
+            <a:spcPts val="0"/>
+          </a:spcBef>
+          <a:spcAft>
+            <a:spcPts val="0"/>
+          </a:spcAft>
+          <a:buClrTx/>
+          <a:buSzTx/>
+          <a:buFontTx/>
+          <a:buNone/>
+          <a:tabLst/>
+          <a:defRPr b="0" baseline="0" cap="none" i="0" spc="0" strike="noStrike" sz="1800" u="none" kumimoji="0" normalizeH="0">
+            <a:ln>
+              <a:noFill/>
+            </a:ln>
+            <a:solidFill>
+              <a:srgbClr val="000000"/>
+            </a:solidFill>
+            <a:effectLst/>
+            <a:uFillTx/>
+          </a:defRPr>
+        </a:lvl3pPr>
+        <a:lvl4pPr marL="0" marR="0" indent="0" algn="l" defTabSz="914400" rtl="0" fontAlgn="auto" latinLnBrk="1" hangingPunct="0">
+          <a:lnSpc>
+            <a:spcPct val="100000"/>
+          </a:lnSpc>
+          <a:spcBef>
+            <a:spcPts val="0"/>
+          </a:spcBef>
+          <a:spcAft>
+            <a:spcPts val="0"/>
+          </a:spcAft>
+          <a:buClrTx/>
+          <a:buSzTx/>
+          <a:buFontTx/>
+          <a:buNone/>
+          <a:tabLst/>
+          <a:defRPr b="0" baseline="0" cap="none" i="0" spc="0" strike="noStrike" sz="1800" u="none" kumimoji="0" normalizeH="0">
+            <a:ln>
+              <a:noFill/>
+            </a:ln>
+            <a:solidFill>
+              <a:srgbClr val="000000"/>
+            </a:solidFill>
+            <a:effectLst/>
+            <a:uFillTx/>
+          </a:defRPr>
+        </a:lvl4pPr>
+        <a:lvl5pPr marL="0" marR="0" indent="0" algn="l" defTabSz="914400" rtl="0" fontAlgn="auto" latinLnBrk="1" hangingPunct="0">
+          <a:lnSpc>
+            <a:spcPct val="100000"/>
+          </a:lnSpc>
+          <a:spcBef>
+            <a:spcPts val="0"/>
+          </a:spcBef>
+          <a:spcAft>
+            <a:spcPts val="0"/>
+          </a:spcAft>
+          <a:buClrTx/>
+          <a:buSzTx/>
+          <a:buFontTx/>
+          <a:buNone/>
+          <a:tabLst/>
+          <a:defRPr b="0" baseline="0" cap="none" i="0" spc="0" strike="noStrike" sz="1800" u="none" kumimoji="0" normalizeH="0">
+            <a:ln>
+              <a:noFill/>
+            </a:ln>
+            <a:solidFill>
+              <a:srgbClr val="000000"/>
+            </a:solidFill>
+            <a:effectLst/>
+            <a:uFillTx/>
+          </a:defRPr>
+        </a:lvl5pPr>
+        <a:lvl6pPr marL="0" marR="0" indent="0" algn="l" defTabSz="914400" rtl="0" fontAlgn="auto" latinLnBrk="1" hangingPunct="0">
+          <a:lnSpc>
+            <a:spcPct val="100000"/>
+          </a:lnSpc>
+          <a:spcBef>
+            <a:spcPts val="0"/>
+          </a:spcBef>
+          <a:spcAft>
+            <a:spcPts val="0"/>
+          </a:spcAft>
+          <a:buClrTx/>
+          <a:buSzTx/>
+          <a:buFontTx/>
+          <a:buNone/>
+          <a:tabLst/>
+          <a:defRPr b="0" baseline="0" cap="none" i="0" spc="0" strike="noStrike" sz="1800" u="none" kumimoji="0" normalizeH="0">
+            <a:ln>
+              <a:noFill/>
+            </a:ln>
+            <a:solidFill>
+              <a:srgbClr val="000000"/>
+            </a:solidFill>
+            <a:effectLst/>
+            <a:uFillTx/>
+          </a:defRPr>
+        </a:lvl6pPr>
+        <a:lvl7pPr marL="0" marR="0" indent="0" algn="l" defTabSz="914400" rtl="0" fontAlgn="auto" latinLnBrk="1" hangingPunct="0">
+          <a:lnSpc>
+            <a:spcPct val="100000"/>
+          </a:lnSpc>
+          <a:spcBef>
+            <a:spcPts val="0"/>
+          </a:spcBef>
+          <a:spcAft>
+            <a:spcPts val="0"/>
+          </a:spcAft>
+          <a:buClrTx/>
+          <a:buSzTx/>
+          <a:buFontTx/>
+          <a:buNone/>
+          <a:tabLst/>
+          <a:defRPr b="0" baseline="0" cap="none" i="0" spc="0" strike="noStrike" sz="1800" u="none" kumimoji="0" normalizeH="0">
+            <a:ln>
+              <a:noFill/>
+            </a:ln>
+            <a:solidFill>
+              <a:srgbClr val="000000"/>
+            </a:solidFill>
+            <a:effectLst/>
+            <a:uFillTx/>
+          </a:defRPr>
+        </a:lvl7pPr>
+        <a:lvl8pPr marL="0" marR="0" indent="0" algn="l" defTabSz="914400" rtl="0" fontAlgn="auto" latinLnBrk="1" hangingPunct="0">
+          <a:lnSpc>
+            <a:spcPct val="100000"/>
+          </a:lnSpc>
+          <a:spcBef>
+            <a:spcPts val="0"/>
+          </a:spcBef>
+          <a:spcAft>
+            <a:spcPts val="0"/>
+          </a:spcAft>
+          <a:buClrTx/>
+          <a:buSzTx/>
+          <a:buFontTx/>
+          <a:buNone/>
+          <a:tabLst/>
+          <a:defRPr b="0" baseline="0" cap="none" i="0" spc="0" strike="noStrike" sz="1800" u="none" kumimoji="0" normalizeH="0">
+            <a:ln>
+              <a:noFill/>
+            </a:ln>
+            <a:solidFill>
+              <a:srgbClr val="000000"/>
+            </a:solidFill>
+            <a:effectLst/>
+            <a:uFillTx/>
+          </a:defRPr>
+        </a:lvl8pPr>
+        <a:lvl9pPr marL="0" marR="0" indent="0" algn="l" defTabSz="914400" rtl="0" fontAlgn="auto" latinLnBrk="1" hangingPunct="0">
+          <a:lnSpc>
+            <a:spcPct val="100000"/>
+          </a:lnSpc>
+          <a:spcBef>
+            <a:spcPts val="0"/>
+          </a:spcBef>
+          <a:spcAft>
+            <a:spcPts val="0"/>
+          </a:spcAft>
+          <a:buClrTx/>
+          <a:buSzTx/>
+          <a:buFontTx/>
+          <a:buNone/>
+          <a:tabLst/>
+          <a:defRPr b="0" baseline="0" cap="none" i="0" spc="0" strike="noStrike" sz="1800" u="none" kumimoji="0" normalizeH="0">
+            <a:ln>
+              <a:noFill/>
+            </a:ln>
+            <a:solidFill>
+              <a:srgbClr val="000000"/>
+            </a:solidFill>
+            <a:effectLst/>
+            <a:uFillTx/>
+          </a:defRPr>
+        </a:lvl9pPr>
+      </a:lstStyle>
       <a:style>
-        <a:lnRef idx="1">
-          <a:schemeClr val="accent1"/>
-        </a:lnRef>
-        <a:fillRef idx="3">
-          <a:schemeClr val="accent1"/>
-        </a:fillRef>
-        <a:effectRef idx="2">
-          <a:schemeClr val="accent1"/>
-        </a:effectRef>
-        <a:fontRef idx="minor">
-          <a:schemeClr val="lt1"/>
-        </a:fontRef>
+        <a:lnRef idx="0"/>
+        <a:fillRef idx="0"/>
+        <a:effectRef idx="0"/>
+        <a:fontRef idx="none"/>
       </a:style>
     </a:spDef>
     <a:lnDef>
-      <a:spPr/>
-      <a:bodyPr/>
-      <a:lstStyle/>
+      <a:spPr>
+        <a:noFill/>
+        <a:ln w="25400" cap="flat">
+          <a:solidFill>
+            <a:schemeClr val="accent1"/>
+          </a:solidFill>
+          <a:prstDash val="solid"/>
+          <a:round/>
+        </a:ln>
+        <a:effectLst>
+          <a:outerShdw sx="100000" sy="100000" kx="0" ky="0" algn="b" rotWithShape="0" blurRad="38100" dist="20000" dir="5400000">
+            <a:srgbClr val="000000">
+              <a:alpha val="38000"/>
+            </a:srgbClr>
+          </a:outerShdw>
+        </a:effectLst>
+        <a:sp3d/>
+      </a:spPr>
+      <a:bodyPr rot="0" spcFirstLastPara="1" vertOverflow="overflow" horzOverflow="overflow" vert="horz" wrap="square" lIns="91439" tIns="45719" rIns="91439" bIns="45719" numCol="1" spcCol="38100" rtlCol="0" anchor="t" upright="0">
+        <a:noAutofit/>
+      </a:bodyPr>
+      <a:lstStyle>
+        <a:defPPr marL="0" marR="0" indent="0" algn="l" defTabSz="914400" rtl="0" fontAlgn="auto" latinLnBrk="1" hangingPunct="0">
+          <a:lnSpc>
+            <a:spcPct val="100000"/>
+          </a:lnSpc>
+          <a:spcBef>
+            <a:spcPts val="0"/>
+          </a:spcBef>
+          <a:spcAft>
+            <a:spcPts val="0"/>
+          </a:spcAft>
+          <a:buClrTx/>
+          <a:buSzTx/>
+          <a:buFontTx/>
+          <a:buNone/>
+          <a:tabLst/>
+          <a:defRPr b="0" baseline="0" cap="none" i="0" spc="0" strike="noStrike" sz="1800" u="none" kumimoji="0" normalizeH="0">
+            <a:ln>
+              <a:noFill/>
+            </a:ln>
+            <a:solidFill>
+              <a:srgbClr val="000000"/>
+            </a:solidFill>
+            <a:effectLst/>
+            <a:uFillTx/>
+          </a:defRPr>
+        </a:defPPr>
+        <a:lvl1pPr marL="0" marR="0" indent="0" algn="l" defTabSz="914400" rtl="0" fontAlgn="auto" latinLnBrk="1" hangingPunct="0">
+          <a:lnSpc>
+            <a:spcPct val="100000"/>
+          </a:lnSpc>
+          <a:spcBef>
+            <a:spcPts val="0"/>
+          </a:spcBef>
+          <a:spcAft>
+            <a:spcPts val="0"/>
+          </a:spcAft>
+          <a:buClrTx/>
+          <a:buSzTx/>
+          <a:buFontTx/>
+          <a:buNone/>
+          <a:tabLst/>
+          <a:defRPr b="0" baseline="0" cap="none" i="0" spc="0" strike="noStrike" sz="1800" u="none" kumimoji="0" normalizeH="0">
+            <a:ln>
+              <a:noFill/>
+            </a:ln>
+            <a:solidFill>
+              <a:srgbClr val="000000"/>
+            </a:solidFill>
+            <a:effectLst/>
+            <a:uFillTx/>
+          </a:defRPr>
+        </a:lvl1pPr>
+        <a:lvl2pPr marL="0" marR="0" indent="0" algn="l" defTabSz="914400" rtl="0" fontAlgn="auto" latinLnBrk="1" hangingPunct="0">
+          <a:lnSpc>
+            <a:spcPct val="100000"/>
+          </a:lnSpc>
+          <a:spcBef>
+            <a:spcPts val="0"/>
+          </a:spcBef>
+          <a:spcAft>
+            <a:spcPts val="0"/>
+          </a:spcAft>
+          <a:buClrTx/>
+          <a:buSzTx/>
+          <a:buFontTx/>
+          <a:buNone/>
+          <a:tabLst/>
+          <a:defRPr b="0" baseline="0" cap="none" i="0" spc="0" strike="noStrike" sz="1800" u="none" kumimoji="0" normalizeH="0">
+            <a:ln>
+              <a:noFill/>
+            </a:ln>
+            <a:solidFill>
+              <a:srgbClr val="000000"/>
+            </a:solidFill>
+            <a:effectLst/>
+            <a:uFillTx/>
+          </a:defRPr>
+        </a:lvl2pPr>
+        <a:lvl3pPr marL="0" marR="0" indent="0" algn="l" defTabSz="914400" rtl="0" fontAlgn="auto" latinLnBrk="1" hangingPunct="0">
+          <a:lnSpc>
+            <a:spcPct val="100000"/>
+          </a:lnSpc>
+          <a:spcBef>
+            <a:spcPts val="0"/>
+          </a:spcBef>
+          <a:spcAft>
+            <a:spcPts val="0"/>
+          </a:spcAft>
+          <a:buClrTx/>
+          <a:buSzTx/>
+          <a:buFontTx/>
+          <a:buNone/>
+          <a:tabLst/>
+          <a:defRPr b="0" baseline="0" cap="none" i="0" spc="0" strike="noStrike" sz="1800" u="none" kumimoji="0" normalizeH="0">
+            <a:ln>
+              <a:noFill/>
+            </a:ln>
+            <a:solidFill>
+              <a:srgbClr val="000000"/>
+            </a:solidFill>
+            <a:effectLst/>
+            <a:uFillTx/>
+          </a:defRPr>
+        </a:lvl3pPr>
+        <a:lvl4pPr marL="0" marR="0" indent="0" algn="l" defTabSz="914400" rtl="0" fontAlgn="auto" latinLnBrk="1" hangingPunct="0">
+          <a:lnSpc>
+            <a:spcPct val="100000"/>
+          </a:lnSpc>
+          <a:spcBef>
+            <a:spcPts val="0"/>
+          </a:spcBef>
+          <a:spcAft>
+            <a:spcPts val="0"/>
+          </a:spcAft>
+          <a:buClrTx/>
+          <a:buSzTx/>
+          <a:buFontTx/>
+          <a:buNone/>
+          <a:tabLst/>
+          <a:defRPr b="0" baseline="0" cap="none" i="0" spc="0" strike="noStrike" sz="1800" u="none" kumimoji="0" normalizeH="0">
+            <a:ln>
+              <a:noFill/>
+            </a:ln>
+            <a:solidFill>
+              <a:srgbClr val="000000"/>
+            </a:solidFill>
+            <a:effectLst/>
+            <a:uFillTx/>
+          </a:defRPr>
+        </a:lvl4pPr>
+        <a:lvl5pPr marL="0" marR="0" indent="0" algn="l" defTabSz="914400" rtl="0" fontAlgn="auto" latinLnBrk="1" hangingPunct="0">
+          <a:lnSpc>
+            <a:spcPct val="100000"/>
+          </a:lnSpc>
+          <a:spcBef>
+            <a:spcPts val="0"/>
+          </a:spcBef>
+          <a:spcAft>
+            <a:spcPts val="0"/>
+          </a:spcAft>
+          <a:buClrTx/>
+          <a:buSzTx/>
+          <a:buFontTx/>
+          <a:buNone/>
+          <a:tabLst/>
+          <a:defRPr b="0" baseline="0" cap="none" i="0" spc="0" strike="noStrike" sz="1800" u="none" kumimoji="0" normalizeH="0">
+            <a:ln>
+              <a:noFill/>
+            </a:ln>
+            <a:solidFill>
+              <a:srgbClr val="000000"/>
+            </a:solidFill>
+            <a:effectLst/>
+            <a:uFillTx/>
+          </a:defRPr>
+        </a:lvl5pPr>
+        <a:lvl6pPr marL="0" marR="0" indent="0" algn="l" defTabSz="914400" rtl="0" fontAlgn="auto" latinLnBrk="1" hangingPunct="0">
+          <a:lnSpc>
+            <a:spcPct val="100000"/>
+          </a:lnSpc>
+          <a:spcBef>
+            <a:spcPts val="0"/>
+          </a:spcBef>
+          <a:spcAft>
+            <a:spcPts val="0"/>
+          </a:spcAft>
+          <a:buClrTx/>
+          <a:buSzTx/>
+          <a:buFontTx/>
+          <a:buNone/>
+          <a:tabLst/>
+          <a:defRPr b="0" baseline="0" cap="none" i="0" spc="0" strike="noStrike" sz="1800" u="none" kumimoji="0" normalizeH="0">
+            <a:ln>
+              <a:noFill/>
+            </a:ln>
+            <a:solidFill>
+              <a:srgbClr val="000000"/>
+            </a:solidFill>
+            <a:effectLst/>
+            <a:uFillTx/>
+          </a:defRPr>
+        </a:lvl6pPr>
+        <a:lvl7pPr marL="0" marR="0" indent="0" algn="l" defTabSz="914400" rtl="0" fontAlgn="auto" latinLnBrk="1" hangingPunct="0">
+          <a:lnSpc>
+            <a:spcPct val="100000"/>
+          </a:lnSpc>
+          <a:spcBef>
+            <a:spcPts val="0"/>
+          </a:spcBef>
+          <a:spcAft>
+            <a:spcPts val="0"/>
+          </a:spcAft>
+          <a:buClrTx/>
+          <a:buSzTx/>
+          <a:buFontTx/>
+          <a:buNone/>
+          <a:tabLst/>
+          <a:defRPr b="0" baseline="0" cap="none" i="0" spc="0" strike="noStrike" sz="1800" u="none" kumimoji="0" normalizeH="0">
+            <a:ln>
+              <a:noFill/>
+            </a:ln>
+            <a:solidFill>
+              <a:srgbClr val="000000"/>
+            </a:solidFill>
+            <a:effectLst/>
+            <a:uFillTx/>
+          </a:defRPr>
+        </a:lvl7pPr>
+        <a:lvl8pPr marL="0" marR="0" indent="0" algn="l" defTabSz="914400" rtl="0" fontAlgn="auto" latinLnBrk="1" hangingPunct="0">
+          <a:lnSpc>
+            <a:spcPct val="100000"/>
+          </a:lnSpc>
+          <a:spcBef>
+            <a:spcPts val="0"/>
+          </a:spcBef>
+          <a:spcAft>
+            <a:spcPts val="0"/>
+          </a:spcAft>
+          <a:buClrTx/>
+          <a:buSzTx/>
+          <a:buFontTx/>
+          <a:buNone/>
+          <a:tabLst/>
+          <a:defRPr b="0" baseline="0" cap="none" i="0" spc="0" strike="noStrike" sz="1800" u="none" kumimoji="0" normalizeH="0">
+            <a:ln>
+              <a:noFill/>
+            </a:ln>
+            <a:solidFill>
+              <a:srgbClr val="000000"/>
+            </a:solidFill>
+            <a:effectLst/>
+            <a:uFillTx/>
+          </a:defRPr>
+        </a:lvl8pPr>
+        <a:lvl9pPr marL="0" marR="0" indent="0" algn="l" defTabSz="914400" rtl="0" fontAlgn="auto" latinLnBrk="1" hangingPunct="0">
+          <a:lnSpc>
+            <a:spcPct val="100000"/>
+          </a:lnSpc>
+          <a:spcBef>
+            <a:spcPts val="0"/>
+          </a:spcBef>
+          <a:spcAft>
+            <a:spcPts val="0"/>
+          </a:spcAft>
+          <a:buClrTx/>
+          <a:buSzTx/>
+          <a:buFontTx/>
+          <a:buNone/>
+          <a:tabLst/>
+          <a:defRPr b="0" baseline="0" cap="none" i="0" spc="0" strike="noStrike" sz="1800" u="none" kumimoji="0" normalizeH="0">
+            <a:ln>
+              <a:noFill/>
+            </a:ln>
+            <a:solidFill>
+              <a:srgbClr val="000000"/>
+            </a:solidFill>
+            <a:effectLst/>
+            <a:uFillTx/>
+          </a:defRPr>
+        </a:lvl9pPr>
+      </a:lstStyle>
       <a:style>
-        <a:lnRef idx="2">
-          <a:schemeClr val="accent1"/>
-        </a:lnRef>
-        <a:fillRef idx="0">
-          <a:schemeClr val="accent1"/>
-        </a:fillRef>
-        <a:effectRef idx="1">
-          <a:schemeClr val="accent1"/>
-        </a:effectRef>
-        <a:fontRef idx="minor">
-          <a:schemeClr val="tx1"/>
-        </a:fontRef>
+        <a:lnRef idx="0"/>
+        <a:fillRef idx="0"/>
+        <a:effectRef idx="0"/>
+        <a:fontRef idx="none"/>
       </a:style>
     </a:lnDef>
+    <a:txDef>
+      <a:spPr>
+        <a:noFill/>
+        <a:ln w="12700" cap="flat">
+          <a:noFill/>
+          <a:miter lim="400000"/>
+        </a:ln>
+        <a:effectLst/>
+        <a:sp3d/>
+      </a:spPr>
+      <a:bodyPr rot="0" spcFirstLastPara="1" vertOverflow="overflow" horzOverflow="overflow" vert="horz" wrap="square" lIns="45719" tIns="45719" rIns="45719" bIns="45719" numCol="1" spcCol="38100" rtlCol="0" anchor="t" upright="0">
+        <a:spAutoFit/>
+      </a:bodyPr>
+      <a:lstStyle>
+        <a:defPPr marL="0" marR="0" indent="0" algn="l" defTabSz="457200" rtl="0" fontAlgn="auto" latinLnBrk="0" hangingPunct="0">
+          <a:lnSpc>
+            <a:spcPct val="100000"/>
+          </a:lnSpc>
+          <a:spcBef>
+            <a:spcPts val="0"/>
+          </a:spcBef>
+          <a:spcAft>
+            <a:spcPts val="0"/>
+          </a:spcAft>
+          <a:buClrTx/>
+          <a:buSzTx/>
+          <a:buFontTx/>
+          <a:buNone/>
+          <a:tabLst/>
+          <a:defRPr b="0" baseline="0" cap="none" i="0" spc="0" strike="noStrike" sz="1800" u="none" kumimoji="0" normalizeH="0">
+            <a:ln>
+              <a:noFill/>
+            </a:ln>
+            <a:solidFill>
+              <a:srgbClr val="000000"/>
+            </a:solidFill>
+            <a:effectLst/>
+            <a:uFillTx/>
+            <a:latin typeface="+mn-lt"/>
+            <a:ea typeface="+mn-ea"/>
+            <a:cs typeface="+mn-cs"/>
+            <a:sym typeface="Calibri"/>
+          </a:defRPr>
+        </a:defPPr>
+        <a:lvl1pPr marL="0" marR="0" indent="0" algn="l" defTabSz="914400" rtl="0" fontAlgn="auto" latinLnBrk="1" hangingPunct="0">
+          <a:lnSpc>
+            <a:spcPct val="100000"/>
+          </a:lnSpc>
+          <a:spcBef>
+            <a:spcPts val="0"/>
+          </a:spcBef>
+          <a:spcAft>
+            <a:spcPts val="0"/>
+          </a:spcAft>
+          <a:buClrTx/>
+          <a:buSzTx/>
+          <a:buFontTx/>
+          <a:buNone/>
+          <a:tabLst/>
+          <a:defRPr b="0" baseline="0" cap="none" i="0" spc="0" strike="noStrike" sz="1800" u="none" kumimoji="0" normalizeH="0">
+            <a:ln>
+              <a:noFill/>
+            </a:ln>
+            <a:solidFill>
+              <a:srgbClr val="000000"/>
+            </a:solidFill>
+            <a:effectLst/>
+            <a:uFillTx/>
+          </a:defRPr>
+        </a:lvl1pPr>
+        <a:lvl2pPr marL="0" marR="0" indent="0" algn="l" defTabSz="914400" rtl="0" fontAlgn="auto" latinLnBrk="1" hangingPunct="0">
+          <a:lnSpc>
+            <a:spcPct val="100000"/>
+          </a:lnSpc>
+          <a:spcBef>
+            <a:spcPts val="0"/>
+          </a:spcBef>
+          <a:spcAft>
+            <a:spcPts val="0"/>
+          </a:spcAft>
+          <a:buClrTx/>
+          <a:buSzTx/>
+          <a:buFontTx/>
+          <a:buNone/>
+          <a:tabLst/>
+          <a:defRPr b="0" baseline="0" cap="none" i="0" spc="0" strike="noStrike" sz="1800" u="none" kumimoji="0" normalizeH="0">
+            <a:ln>
+              <a:noFill/>
+            </a:ln>
+            <a:solidFill>
+              <a:srgbClr val="000000"/>
+            </a:solidFill>
+            <a:effectLst/>
+            <a:uFillTx/>
+          </a:defRPr>
+        </a:lvl2pPr>
+        <a:lvl3pPr marL="0" marR="0" indent="0" algn="l" defTabSz="914400" rtl="0" fontAlgn="auto" latinLnBrk="1" hangingPunct="0">
+          <a:lnSpc>
+            <a:spcPct val="100000"/>
+          </a:lnSpc>
+          <a:spcBef>
+            <a:spcPts val="0"/>
+          </a:spcBef>
+          <a:spcAft>
+            <a:spcPts val="0"/>
+          </a:spcAft>
+          <a:buClrTx/>
+          <a:buSzTx/>
+          <a:buFontTx/>
+          <a:buNone/>
+          <a:tabLst/>
+          <a:defRPr b="0" baseline="0" cap="none" i="0" spc="0" strike="noStrike" sz="1800" u="none" kumimoji="0" normalizeH="0">
+            <a:ln>
+              <a:noFill/>
+            </a:ln>
+            <a:solidFill>
+              <a:srgbClr val="000000"/>
+            </a:solidFill>
+            <a:effectLst/>
+            <a:uFillTx/>
+          </a:defRPr>
+        </a:lvl3pPr>
+        <a:lvl4pPr marL="0" marR="0" indent="0" algn="l" defTabSz="914400" rtl="0" fontAlgn="auto" latinLnBrk="1" hangingPunct="0">
+          <a:lnSpc>
+            <a:spcPct val="100000"/>
+          </a:lnSpc>
+          <a:spcBef>
+            <a:spcPts val="0"/>
+          </a:spcBef>
+          <a:spcAft>
+            <a:spcPts val="0"/>
+          </a:spcAft>
+          <a:buClrTx/>
+          <a:buSzTx/>
+          <a:buFontTx/>
+          <a:buNone/>
+          <a:tabLst/>
+          <a:defRPr b="0" baseline="0" cap="none" i="0" spc="0" strike="noStrike" sz="1800" u="none" kumimoji="0" normalizeH="0">
+            <a:ln>
+              <a:noFill/>
+            </a:ln>
+            <a:solidFill>
+              <a:srgbClr val="000000"/>
+            </a:solidFill>
+            <a:effectLst/>
+            <a:uFillTx/>
+          </a:defRPr>
+        </a:lvl4pPr>
+        <a:lvl5pPr marL="0" marR="0" indent="0" algn="l" defTabSz="914400" rtl="0" fontAlgn="auto" latinLnBrk="1" hangingPunct="0">
+          <a:lnSpc>
+            <a:spcPct val="100000"/>
+          </a:lnSpc>
+          <a:spcBef>
+            <a:spcPts val="0"/>
+          </a:spcBef>
+          <a:spcAft>
+            <a:spcPts val="0"/>
+          </a:spcAft>
+          <a:buClrTx/>
+          <a:buSzTx/>
+          <a:buFontTx/>
+          <a:buNone/>
+          <a:tabLst/>
+          <a:defRPr b="0" baseline="0" cap="none" i="0" spc="0" strike="noStrike" sz="1800" u="none" kumimoji="0" normalizeH="0">
+            <a:ln>
+              <a:noFill/>
+            </a:ln>
+            <a:solidFill>
+              <a:srgbClr val="000000"/>
+            </a:solidFill>
+            <a:effectLst/>
+            <a:uFillTx/>
+          </a:defRPr>
+        </a:lvl5pPr>
+        <a:lvl6pPr marL="0" marR="0" indent="0" algn="l" defTabSz="914400" rtl="0" fontAlgn="auto" latinLnBrk="1" hangingPunct="0">
+          <a:lnSpc>
+            <a:spcPct val="100000"/>
+          </a:lnSpc>
+          <a:spcBef>
+            <a:spcPts val="0"/>
+          </a:spcBef>
+          <a:spcAft>
+            <a:spcPts val="0"/>
+          </a:spcAft>
+          <a:buClrTx/>
+          <a:buSzTx/>
+          <a:buFontTx/>
+          <a:buNone/>
+          <a:tabLst/>
+          <a:defRPr b="0" baseline="0" cap="none" i="0" spc="0" strike="noStrike" sz="1800" u="none" kumimoji="0" normalizeH="0">
+            <a:ln>
+              <a:noFill/>
+            </a:ln>
+            <a:solidFill>
+              <a:srgbClr val="000000"/>
+            </a:solidFill>
+            <a:effectLst/>
+            <a:uFillTx/>
+          </a:defRPr>
+        </a:lvl6pPr>
+        <a:lvl7pPr marL="0" marR="0" indent="0" algn="l" defTabSz="914400" rtl="0" fontAlgn="auto" latinLnBrk="1" hangingPunct="0">
+          <a:lnSpc>
+            <a:spcPct val="100000"/>
+          </a:lnSpc>
+          <a:spcBef>
+            <a:spcPts val="0"/>
+          </a:spcBef>
+          <a:spcAft>
+            <a:spcPts val="0"/>
+          </a:spcAft>
+          <a:buClrTx/>
+          <a:buSzTx/>
+          <a:buFontTx/>
+          <a:buNone/>
+          <a:tabLst/>
+          <a:defRPr b="0" baseline="0" cap="none" i="0" spc="0" strike="noStrike" sz="1800" u="none" kumimoji="0" normalizeH="0">
+            <a:ln>
+              <a:noFill/>
+            </a:ln>
+            <a:solidFill>
+              <a:srgbClr val="000000"/>
+            </a:solidFill>
+            <a:effectLst/>
+            <a:uFillTx/>
+          </a:defRPr>
+        </a:lvl7pPr>
+        <a:lvl8pPr marL="0" marR="0" indent="0" algn="l" defTabSz="914400" rtl="0" fontAlgn="auto" latinLnBrk="1" hangingPunct="0">
+          <a:lnSpc>
+            <a:spcPct val="100000"/>
+          </a:lnSpc>
+          <a:spcBef>
+            <a:spcPts val="0"/>
+          </a:spcBef>
+          <a:spcAft>
+            <a:spcPts val="0"/>
+          </a:spcAft>
+          <a:buClrTx/>
+          <a:buSzTx/>
+          <a:buFontTx/>
+          <a:buNone/>
+          <a:tabLst/>
+          <a:defRPr b="0" baseline="0" cap="none" i="0" spc="0" strike="noStrike" sz="1800" u="none" kumimoji="0" normalizeH="0">
+            <a:ln>
+              <a:noFill/>
+            </a:ln>
+            <a:solidFill>
+              <a:srgbClr val="000000"/>
+            </a:solidFill>
+            <a:effectLst/>
+            <a:uFillTx/>
+          </a:defRPr>
+        </a:lvl8pPr>
+        <a:lvl9pPr marL="0" marR="0" indent="0" algn="l" defTabSz="914400" rtl="0" fontAlgn="auto" latinLnBrk="1" hangingPunct="0">
+          <a:lnSpc>
+            <a:spcPct val="100000"/>
+          </a:lnSpc>
+          <a:spcBef>
+            <a:spcPts val="0"/>
+          </a:spcBef>
+          <a:spcAft>
+            <a:spcPts val="0"/>
+          </a:spcAft>
+          <a:buClrTx/>
+          <a:buSzTx/>
+          <a:buFontTx/>
+          <a:buNone/>
+          <a:tabLst/>
+          <a:defRPr b="0" baseline="0" cap="none" i="0" spc="0" strike="noStrike" sz="1800" u="none" kumimoji="0" normalizeH="0">
+            <a:ln>
+              <a:noFill/>
+            </a:ln>
+            <a:solidFill>
+              <a:srgbClr val="000000"/>
+            </a:solidFill>
+            <a:effectLst/>
+            <a:uFillTx/>
+          </a:defRPr>
+        </a:lvl9pPr>
+      </a:lstStyle>
+      <a:style>
+        <a:lnRef idx="0"/>
+        <a:fillRef idx="0"/>
+        <a:effectRef idx="0"/>
+        <a:fontRef idx="none"/>
+      </a:style>
+    </a:txDef>
   </a:objectDefaults>
-  <a:extraClrSchemeLst/>
 </a:theme>
 </file>